--- a/google-drive/week02/1Mon/v_lasbest-hypothesis-testing.pptx
+++ b/google-drive/week02/1Mon/v_lasbest-hypothesis-testing.pptx
@@ -236,7 +236,7 @@
           <a:p>
             <a:fld id="{F3C7AE39-24BF-9046-BF66-BB2858E2304D}" type="datetimeFigureOut">
               <a:rPr lang="en-US" smtClean="0"/>
-              <a:t>6/27/23</a:t>
+              <a:t>6/24/24</a:t>
             </a:fld>
             <a:endParaRPr lang="en-US"/>
           </a:p>
@@ -413,7 +413,7 @@
           <a:p>
             <a:fld id="{ECC99FF1-95D4-D041-9B30-B541100C8263}" type="datetimeFigureOut">
               <a:rPr lang="en-US" smtClean="0"/>
-              <a:t>6/27/23</a:t>
+              <a:t>6/24/24</a:t>
             </a:fld>
             <a:endParaRPr lang="en-US"/>
           </a:p>
@@ -5357,8 +5357,8 @@
           </a:p>
         </p:txBody>
       </p:sp>
-      <mc:AlternateContent xmlns:mc="http://schemas.openxmlformats.org/markup-compatibility/2006" xmlns:a14="http://schemas.microsoft.com/office/drawing/2010/main">
-        <mc:Choice Requires="a14">
+      <mc:AlternateContent xmlns:mc="http://schemas.openxmlformats.org/markup-compatibility/2006">
+        <mc:Choice xmlns:a14="http://schemas.microsoft.com/office/drawing/2010/main" Requires="a14">
           <p:sp>
             <p:nvSpPr>
               <p:cNvPr id="7" name="TextBox 6">
@@ -5374,7 +5374,7 @@
             <p:spPr>
               <a:xfrm>
                 <a:off x="764505" y="431673"/>
-                <a:ext cx="2504081" cy="800219"/>
+                <a:ext cx="5051079" cy="800219"/>
               </a:xfrm>
               <a:prstGeom prst="rect">
                 <a:avLst/>
@@ -5394,10 +5394,37 @@
                   <a:rPr lang="en-US" altLang="en-US" sz="2800" dirty="0">
                     <a:cs typeface="Arial" panose="020B0604020202020204" pitchFamily="34" charset="0"/>
                   </a:rPr>
-                  <a:t>Set </a:t>
+                  <a:t>Set significance </a:t>
                 </a:r>
                 <a14:m>
                   <m:oMath xmlns:m="http://schemas.openxmlformats.org/officeDocument/2006/math">
+                    <m:r>
+                      <m:rPr>
+                        <m:sty m:val="p"/>
+                      </m:rPr>
+                      <a:rPr lang="en-US" altLang="en-US" sz="2800" b="0" i="0" dirty="0" smtClean="0">
+                        <a:latin typeface="Cambria Math" panose="02040503050406030204" pitchFamily="18" charset="0"/>
+                        <a:ea typeface="Cambria Math" panose="02040503050406030204" pitchFamily="18" charset="0"/>
+                        <a:cs typeface="Arial" panose="020B0604020202020204" pitchFamily="34" charset="0"/>
+                      </a:rPr>
+                      <m:t>level</m:t>
+                    </m:r>
+                    <m:r>
+                      <a:rPr lang="en-US" altLang="en-US" sz="2800" b="0" i="0" dirty="0" smtClean="0">
+                        <a:latin typeface="Cambria Math" panose="02040503050406030204" pitchFamily="18" charset="0"/>
+                        <a:ea typeface="Cambria Math" panose="02040503050406030204" pitchFamily="18" charset="0"/>
+                        <a:cs typeface="Arial" panose="020B0604020202020204" pitchFamily="34" charset="0"/>
+                      </a:rPr>
+                      <m:t>, </m:t>
+                    </m:r>
+                    <m:r>
+                      <a:rPr lang="en-US" altLang="en-US" sz="2800" b="0" i="1" dirty="0" smtClean="0">
+                        <a:latin typeface="Cambria Math" panose="02040503050406030204" pitchFamily="18" charset="0"/>
+                        <a:ea typeface="Cambria Math" panose="02040503050406030204" pitchFamily="18" charset="0"/>
+                        <a:cs typeface="Arial" panose="020B0604020202020204" pitchFamily="34" charset="0"/>
+                      </a:rPr>
+                      <m:t> </m:t>
+                    </m:r>
                     <m:r>
                       <a:rPr lang="en-US" altLang="en-US" sz="2800" i="1" dirty="0">
                         <a:latin typeface="Cambria Math" panose="02040503050406030204" pitchFamily="18" charset="0"/>
@@ -5427,7 +5454,7 @@
             </p:txBody>
           </p:sp>
         </mc:Choice>
-        <mc:Fallback xmlns="">
+        <mc:Fallback>
           <p:sp>
             <p:nvSpPr>
               <p:cNvPr id="7" name="TextBox 6">
@@ -5445,7 +5472,7 @@
             <p:spPr>
               <a:xfrm>
                 <a:off x="764505" y="431673"/>
-                <a:ext cx="2504081" cy="800219"/>
+                <a:ext cx="5051079" cy="800219"/>
               </a:xfrm>
               <a:prstGeom prst="rect">
                 <a:avLst/>
@@ -5453,7 +5480,7 @@
               <a:blipFill>
                 <a:blip r:embed="rId6"/>
                 <a:stretch>
-                  <a:fillRect l="-5556" t="-9524"/>
+                  <a:fillRect l="-2764" t="-9524"/>
                 </a:stretch>
               </a:blipFill>
             </p:spPr>
